--- a/translations/en-us/advanced/DataLoggingTurns.pptx
+++ b/translations/en-us/advanced/DataLoggingTurns.pptx
@@ -221,7 +221,7 @@
           <a:p>
             <a:fld id="{E354B44E-40A3-0E46-B16A-9BF1250A248B}" type="datetimeFigureOut">
               <a:rPr lang="en-US" smtClean="0"/>
-              <a:t>11/15/15</a:t>
+              <a:t>7/19/16</a:t>
             </a:fld>
             <a:endParaRPr lang="en-US"/>
           </a:p>
@@ -387,7 +387,7 @@
           <a:p>
             <a:fld id="{C86AD16C-2DB4-6642-BAD4-9ED973A087A0}" type="datetimeFigureOut">
               <a:rPr lang="en-US" smtClean="0"/>
-              <a:t>11/15/15</a:t>
+              <a:t>7/19/16</a:t>
             </a:fld>
             <a:endParaRPr lang="en-US"/>
           </a:p>
@@ -940,9 +940,9 @@
           <a:bodyPr/>
           <a:lstStyle/>
           <a:p>
-            <a:fld id="{63DC5260-A540-A34E-BDB3-4371D97564DD}" type="datetime1">
-              <a:rPr lang="en-US" smtClean="0"/>
-              <a:t>11/15/15</a:t>
+            <a:fld id="{A337A066-8EF6-4341-A101-D2EEE35033BD}" type="datetime1">
+              <a:rPr lang="en-US" smtClean="0"/>
+              <a:t>7/19/16</a:t>
             </a:fld>
             <a:endParaRPr lang="en-US"/>
           </a:p>
@@ -965,7 +965,7 @@
           <a:p>
             <a:r>
               <a:rPr lang="sk-SK" smtClean="0"/>
-              <a:t>© 2015 EV3Lessons.com, Last edit 11/15/2015</a:t>
+              <a:t>© 2016 EV3Lessons.com, Last edit 7/19/2016</a:t>
             </a:r>
             <a:endParaRPr lang="en-US"/>
           </a:p>
@@ -1493,7 +1493,7 @@
           <a:noFill/>
           <a:extLst>
             <a:ext uri="{909E8E84-426E-40dd-AFC4-6F175D3DCCD1}">
-              <a14:hiddenFill xmlns="" xmlns:a14="http://schemas.microsoft.com/office/drawing/2010/main">
+              <a14:hiddenFill xmlns:a14="http://schemas.microsoft.com/office/drawing/2010/main" xmlns="">
                 <a:solidFill>
                   <a:srgbClr val="FFFFFF"/>
                 </a:solidFill>
@@ -1537,288 +1537,6 @@
           </a:fontRef>
         </p:style>
       </p:cxnSp>
-      <p:pic>
-        <p:nvPicPr>
-          <p:cNvPr id="12" name="Picture 11"/>
-          <p:cNvPicPr>
-            <a:picLocks noChangeAspect="1"/>
-          </p:cNvPicPr>
-          <p:nvPr/>
-        </p:nvPicPr>
-        <p:blipFill>
-          <a:blip r:embed="rId3">
-            <a:extLst>
-              <a:ext uri="{28A0092B-C50C-407E-A947-70E740481C1C}">
-                <a14:useLocalDpi xmlns:a14="http://schemas.microsoft.com/office/drawing/2010/main" val="0"/>
-              </a:ext>
-            </a:extLst>
-          </a:blip>
-          <a:stretch>
-            <a:fillRect/>
-          </a:stretch>
-        </p:blipFill>
-        <p:spPr>
-          <a:xfrm>
-            <a:off x="284163" y="4948514"/>
-            <a:ext cx="1265237" cy="1210410"/>
-          </a:xfrm>
-          <a:prstGeom prst="rect">
-            <a:avLst/>
-          </a:prstGeom>
-        </p:spPr>
-      </p:pic>
-      <p:sp>
-        <p:nvSpPr>
-          <p:cNvPr id="18" name="Subtitle 3"/>
-          <p:cNvSpPr txBox="1">
-            <a:spLocks/>
-          </p:cNvSpPr>
-          <p:nvPr/>
-        </p:nvSpPr>
-        <p:spPr>
-          <a:xfrm>
-            <a:off x="1549400" y="5829838"/>
-            <a:ext cx="3749229" cy="484094"/>
-          </a:xfrm>
-          <a:prstGeom prst="rect">
-            <a:avLst/>
-          </a:prstGeom>
-        </p:spPr>
-        <p:txBody>
-          <a:bodyPr vert="horz" lIns="91440" tIns="45720" rIns="91440" bIns="45720" rtlCol="0">
-            <a:normAutofit/>
-          </a:bodyPr>
-          <a:lstStyle>
-            <a:lvl1pPr marL="0" indent="0" algn="l" defTabSz="914400" rtl="0" eaLnBrk="1" latinLnBrk="0" hangingPunct="1">
-              <a:lnSpc>
-                <a:spcPct val="100000"/>
-              </a:lnSpc>
-              <a:spcBef>
-                <a:spcPts val="0"/>
-              </a:spcBef>
-              <a:buClr>
-                <a:schemeClr val="bg1">
-                  <a:lumMod val="65000"/>
-                </a:schemeClr>
-              </a:buClr>
-              <a:buSzPct val="90000"/>
-              <a:buFont typeface="Wingdings" pitchFamily="2" charset="2"/>
-              <a:buNone/>
-              <a:defRPr sz="1800" kern="1200">
-                <a:solidFill>
-                  <a:schemeClr val="bg1"/>
-                </a:solidFill>
-                <a:latin typeface="+mn-lt"/>
-                <a:ea typeface="+mn-ea"/>
-                <a:cs typeface="+mn-cs"/>
-              </a:defRPr>
-            </a:lvl1pPr>
-            <a:lvl2pPr marL="457200" indent="0" algn="ctr" defTabSz="914400" rtl="0" eaLnBrk="1" latinLnBrk="0" hangingPunct="1">
-              <a:spcBef>
-                <a:spcPts val="600"/>
-              </a:spcBef>
-              <a:buClr>
-                <a:schemeClr val="tx1">
-                  <a:lumMod val="75000"/>
-                  <a:lumOff val="25000"/>
-                </a:schemeClr>
-              </a:buClr>
-              <a:buSzPct val="90000"/>
-              <a:buFont typeface="Wingdings" pitchFamily="2" charset="2"/>
-              <a:buNone/>
-              <a:defRPr sz="2200" kern="1200">
-                <a:solidFill>
-                  <a:schemeClr val="tx1">
-                    <a:tint val="75000"/>
-                  </a:schemeClr>
-                </a:solidFill>
-                <a:latin typeface="+mn-lt"/>
-                <a:ea typeface="+mn-ea"/>
-                <a:cs typeface="+mn-cs"/>
-              </a:defRPr>
-            </a:lvl2pPr>
-            <a:lvl3pPr marL="914400" indent="0" algn="ctr" defTabSz="914400" rtl="0" eaLnBrk="1" latinLnBrk="0" hangingPunct="1">
-              <a:spcBef>
-                <a:spcPts val="600"/>
-              </a:spcBef>
-              <a:buClr>
-                <a:schemeClr val="bg1">
-                  <a:lumMod val="65000"/>
-                </a:schemeClr>
-              </a:buClr>
-              <a:buSzPct val="90000"/>
-              <a:buFont typeface="Wingdings" pitchFamily="2" charset="2"/>
-              <a:buNone/>
-              <a:defRPr sz="2000" kern="1200">
-                <a:solidFill>
-                  <a:schemeClr val="tx1">
-                    <a:tint val="75000"/>
-                  </a:schemeClr>
-                </a:solidFill>
-                <a:latin typeface="+mn-lt"/>
-                <a:ea typeface="+mn-ea"/>
-                <a:cs typeface="+mn-cs"/>
-              </a:defRPr>
-            </a:lvl3pPr>
-            <a:lvl4pPr marL="1371600" indent="0" algn="ctr" defTabSz="914400" rtl="0" eaLnBrk="1" latinLnBrk="0" hangingPunct="1">
-              <a:spcBef>
-                <a:spcPts val="600"/>
-              </a:spcBef>
-              <a:buClr>
-                <a:schemeClr val="tx1">
-                  <a:lumMod val="75000"/>
-                  <a:lumOff val="25000"/>
-                </a:schemeClr>
-              </a:buClr>
-              <a:buSzPct val="90000"/>
-              <a:buFont typeface="Wingdings" pitchFamily="2" charset="2"/>
-              <a:buNone/>
-              <a:defRPr sz="1800" kern="1200">
-                <a:solidFill>
-                  <a:schemeClr val="tx1">
-                    <a:tint val="75000"/>
-                  </a:schemeClr>
-                </a:solidFill>
-                <a:latin typeface="+mn-lt"/>
-                <a:ea typeface="+mn-ea"/>
-                <a:cs typeface="+mn-cs"/>
-              </a:defRPr>
-            </a:lvl4pPr>
-            <a:lvl5pPr marL="1828800" indent="0" algn="ctr" defTabSz="914400" rtl="0" eaLnBrk="1" latinLnBrk="0" hangingPunct="1">
-              <a:spcBef>
-                <a:spcPts val="600"/>
-              </a:spcBef>
-              <a:buClr>
-                <a:schemeClr val="bg1">
-                  <a:lumMod val="65000"/>
-                </a:schemeClr>
-              </a:buClr>
-              <a:buSzPct val="90000"/>
-              <a:buFont typeface="Wingdings" pitchFamily="2" charset="2"/>
-              <a:buNone/>
-              <a:defRPr sz="1800" kern="1200">
-                <a:solidFill>
-                  <a:schemeClr val="tx1">
-                    <a:tint val="75000"/>
-                  </a:schemeClr>
-                </a:solidFill>
-                <a:latin typeface="+mn-lt"/>
-                <a:ea typeface="+mn-ea"/>
-                <a:cs typeface="+mn-cs"/>
-              </a:defRPr>
-            </a:lvl5pPr>
-            <a:lvl6pPr marL="2286000" indent="0" algn="ctr" defTabSz="914400" rtl="0" eaLnBrk="1" latinLnBrk="0" hangingPunct="1">
-              <a:spcBef>
-                <a:spcPts val="600"/>
-              </a:spcBef>
-              <a:buClr>
-                <a:schemeClr val="tx1">
-                  <a:lumMod val="75000"/>
-                  <a:lumOff val="25000"/>
-                </a:schemeClr>
-              </a:buClr>
-              <a:buSzPct val="90000"/>
-              <a:buFont typeface="Wingdings" pitchFamily="2" charset="2"/>
-              <a:buNone/>
-              <a:defRPr lang="en-US" sz="1800" kern="1200">
-                <a:solidFill>
-                  <a:schemeClr val="tx1">
-                    <a:tint val="75000"/>
-                  </a:schemeClr>
-                </a:solidFill>
-                <a:latin typeface="+mn-lt"/>
-                <a:ea typeface="+mn-ea"/>
-                <a:cs typeface="+mn-cs"/>
-              </a:defRPr>
-            </a:lvl6pPr>
-            <a:lvl7pPr marL="2743200" indent="0" algn="ctr" defTabSz="914400" rtl="0" eaLnBrk="1" latinLnBrk="0" hangingPunct="1">
-              <a:spcBef>
-                <a:spcPts val="600"/>
-              </a:spcBef>
-              <a:buClr>
-                <a:schemeClr val="bg1">
-                  <a:lumMod val="65000"/>
-                </a:schemeClr>
-              </a:buClr>
-              <a:buSzPct val="90000"/>
-              <a:buFont typeface="Wingdings" pitchFamily="2" charset="2"/>
-              <a:buNone/>
-              <a:defRPr lang="en-US" sz="1800" kern="1200">
-                <a:solidFill>
-                  <a:schemeClr val="tx1">
-                    <a:tint val="75000"/>
-                  </a:schemeClr>
-                </a:solidFill>
-                <a:latin typeface="+mn-lt"/>
-                <a:ea typeface="+mn-ea"/>
-                <a:cs typeface="+mn-cs"/>
-              </a:defRPr>
-            </a:lvl7pPr>
-            <a:lvl8pPr marL="3200400" indent="0" algn="ctr" defTabSz="914400" rtl="0" eaLnBrk="1" latinLnBrk="0" hangingPunct="1">
-              <a:spcBef>
-                <a:spcPts val="600"/>
-              </a:spcBef>
-              <a:buClr>
-                <a:schemeClr val="tx1">
-                  <a:lumMod val="75000"/>
-                  <a:lumOff val="25000"/>
-                </a:schemeClr>
-              </a:buClr>
-              <a:buSzPct val="90000"/>
-              <a:buFont typeface="Wingdings" pitchFamily="2" charset="2"/>
-              <a:buNone/>
-              <a:defRPr lang="en-US" sz="1800" kern="1200">
-                <a:solidFill>
-                  <a:schemeClr val="tx1">
-                    <a:tint val="75000"/>
-                  </a:schemeClr>
-                </a:solidFill>
-                <a:latin typeface="+mn-lt"/>
-                <a:ea typeface="+mn-ea"/>
-                <a:cs typeface="+mn-cs"/>
-              </a:defRPr>
-            </a:lvl8pPr>
-            <a:lvl9pPr marL="3657600" indent="0" algn="ctr" defTabSz="914400" rtl="0" eaLnBrk="1" latinLnBrk="0" hangingPunct="1">
-              <a:spcBef>
-                <a:spcPts val="600"/>
-              </a:spcBef>
-              <a:buClr>
-                <a:schemeClr val="bg1">
-                  <a:lumMod val="65000"/>
-                </a:schemeClr>
-              </a:buClr>
-              <a:buSzPct val="90000"/>
-              <a:buFont typeface="Wingdings" pitchFamily="2" charset="2"/>
-              <a:buNone/>
-              <a:defRPr lang="en-US" sz="1800" kern="1200">
-                <a:solidFill>
-                  <a:schemeClr val="tx1">
-                    <a:tint val="75000"/>
-                  </a:schemeClr>
-                </a:solidFill>
-                <a:latin typeface="+mn-lt"/>
-                <a:ea typeface="+mn-ea"/>
-                <a:cs typeface="+mn-cs"/>
-              </a:defRPr>
-            </a:lvl9pPr>
-          </a:lstStyle>
-          <a:p>
-            <a:r>
-              <a:rPr lang="en-US" dirty="0" smtClean="0">
-                <a:solidFill>
-                  <a:schemeClr val="tx1"/>
-                </a:solidFill>
-              </a:rPr>
-              <a:t>By Droids Robotics</a:t>
-            </a:r>
-            <a:endParaRPr lang="en-US" dirty="0">
-              <a:solidFill>
-                <a:schemeClr val="tx1"/>
-              </a:solidFill>
-            </a:endParaRPr>
-          </a:p>
-        </p:txBody>
-      </p:sp>
     </p:spTree>
     <p:extLst>
       <p:ext uri="{BB962C8B-B14F-4D97-AF65-F5344CB8AC3E}">
@@ -1927,9 +1645,9 @@
           <a:bodyPr/>
           <a:lstStyle/>
           <a:p>
-            <a:fld id="{2EDD106E-AC15-3847-8F06-564DFB175229}" type="datetime1">
-              <a:rPr lang="en-US" smtClean="0"/>
-              <a:t>11/15/15</a:t>
+            <a:fld id="{BBEEE6D4-B89C-994F-BC26-0B89112EC467}" type="datetime1">
+              <a:rPr lang="en-US" smtClean="0"/>
+              <a:t>7/19/16</a:t>
             </a:fld>
             <a:endParaRPr lang="en-US"/>
           </a:p>
@@ -1952,7 +1670,7 @@
           <a:p>
             <a:r>
               <a:rPr lang="sk-SK" smtClean="0"/>
-              <a:t>© 2015 EV3Lessons.com, Last edit 11/15/2015</a:t>
+              <a:t>© 2016 EV3Lessons.com, Last edit 7/19/2016</a:t>
             </a:r>
             <a:endParaRPr lang="en-US"/>
           </a:p>
@@ -2390,9 +2108,9 @@
           <a:bodyPr/>
           <a:lstStyle/>
           <a:p>
-            <a:fld id="{2D07AE68-BEF1-9445-91CB-4EFC3A373CA7}" type="datetime1">
-              <a:rPr lang="en-US" smtClean="0"/>
-              <a:t>11/15/15</a:t>
+            <a:fld id="{CDF5F98E-5149-9948-9EE7-0A8267A99B69}" type="datetime1">
+              <a:rPr lang="en-US" smtClean="0"/>
+              <a:t>7/19/16</a:t>
             </a:fld>
             <a:endParaRPr lang="en-US" dirty="0"/>
           </a:p>
@@ -2415,7 +2133,7 @@
           <a:p>
             <a:r>
               <a:rPr lang="sk-SK" smtClean="0"/>
-              <a:t>© 2015 EV3Lessons.com, Last edit 11/15/2015</a:t>
+              <a:t>© 2016 EV3Lessons.com, Last edit 7/19/2016</a:t>
             </a:r>
             <a:endParaRPr lang="en-US" dirty="0"/>
           </a:p>
@@ -2469,7 +2187,6 @@
       </p:par>
     </p:tnLst>
   </p:timing>
-  <p:hf hdr="0" dt="0"/>
 </p:sldLayout>
 </file>
 
@@ -2855,9 +2572,9 @@
           <a:bodyPr/>
           <a:lstStyle/>
           <a:p>
-            <a:fld id="{52E06D1E-EE31-AE4D-8E65-0575FE94A698}" type="datetime1">
-              <a:rPr lang="en-US" smtClean="0"/>
-              <a:t>11/15/15</a:t>
+            <a:fld id="{6F454F20-F22F-DD46-81F2-5BDE7CB3F092}" type="datetime1">
+              <a:rPr lang="en-US" smtClean="0"/>
+              <a:t>7/19/16</a:t>
             </a:fld>
             <a:endParaRPr lang="en-US"/>
           </a:p>
@@ -3733,9 +3450,9 @@
           <a:bodyPr/>
           <a:lstStyle/>
           <a:p>
-            <a:fld id="{9F940493-7839-8244-A71D-8C72585EF78D}" type="datetime1">
-              <a:rPr lang="en-US" smtClean="0"/>
-              <a:t>11/15/15</a:t>
+            <a:fld id="{A8852E89-7289-8A4D-9233-DD55793ACADE}" type="datetime1">
+              <a:rPr lang="en-US" smtClean="0"/>
+              <a:t>7/19/16</a:t>
             </a:fld>
             <a:endParaRPr lang="en-US"/>
           </a:p>
@@ -3758,7 +3475,7 @@
           <a:p>
             <a:r>
               <a:rPr lang="sk-SK" smtClean="0"/>
-              <a:t>© 2015 EV3Lessons.com, Last edit 11/15/2015</a:t>
+              <a:t>© 2016 EV3Lessons.com, Last edit 7/19/2016</a:t>
             </a:r>
             <a:endParaRPr lang="en-US"/>
           </a:p>
@@ -4168,9 +3885,9 @@
           <a:bodyPr/>
           <a:lstStyle/>
           <a:p>
-            <a:fld id="{D25467A0-37A3-244A-830C-B5DA4E705F4F}" type="datetime1">
-              <a:rPr lang="en-US" smtClean="0"/>
-              <a:t>11/15/15</a:t>
+            <a:fld id="{CD8F1C4C-7A96-8B43-B8FB-7A31D2399F55}" type="datetime1">
+              <a:rPr lang="en-US" smtClean="0"/>
+              <a:t>7/19/16</a:t>
             </a:fld>
             <a:endParaRPr lang="en-US"/>
           </a:p>
@@ -4193,7 +3910,7 @@
           <a:p>
             <a:r>
               <a:rPr lang="sk-SK" smtClean="0"/>
-              <a:t>© 2015 EV3Lessons.com, Last edit 11/15/2015</a:t>
+              <a:t>© 2016 EV3Lessons.com, Last edit 7/19/2016</a:t>
             </a:r>
             <a:endParaRPr lang="en-US"/>
           </a:p>
@@ -4641,9 +4358,9 @@
           <a:bodyPr/>
           <a:lstStyle/>
           <a:p>
-            <a:fld id="{557C12B7-BE6C-1446-B2A3-34A7F20122F9}" type="datetime1">
-              <a:rPr lang="en-US" smtClean="0"/>
-              <a:t>11/15/15</a:t>
+            <a:fld id="{34F83252-4EFA-C347-A7EE-DDF3528603FF}" type="datetime1">
+              <a:rPr lang="en-US" smtClean="0"/>
+              <a:t>7/19/16</a:t>
             </a:fld>
             <a:endParaRPr lang="en-US"/>
           </a:p>
@@ -4666,7 +4383,7 @@
           <a:p>
             <a:r>
               <a:rPr lang="sk-SK" smtClean="0"/>
-              <a:t>© 2015 EV3Lessons.com, Last edit 11/15/2015</a:t>
+              <a:t>© 2016 EV3Lessons.com, Last edit 7/19/2016</a:t>
             </a:r>
             <a:endParaRPr lang="en-US"/>
           </a:p>
@@ -4870,9 +4587,9 @@
           <a:bodyPr/>
           <a:lstStyle/>
           <a:p>
-            <a:fld id="{D6E7497E-0ADD-8E46-B33D-23C6812BC786}" type="datetime1">
-              <a:rPr lang="en-US" smtClean="0"/>
-              <a:t>11/15/15</a:t>
+            <a:fld id="{6B745DF5-750D-0B4F-B2ED-4A155FA9F31D}" type="datetime1">
+              <a:rPr lang="en-US" smtClean="0"/>
+              <a:t>7/19/16</a:t>
             </a:fld>
             <a:endParaRPr lang="en-US"/>
           </a:p>
@@ -4895,7 +4612,7 @@
           <a:p>
             <a:r>
               <a:rPr lang="sk-SK" smtClean="0"/>
-              <a:t>© 2015 EV3Lessons.com, Last edit 11/15/2015</a:t>
+              <a:t>© 2016 EV3Lessons.com, Last edit 7/19/2016</a:t>
             </a:r>
             <a:endParaRPr lang="en-US"/>
           </a:p>
@@ -5157,9 +4874,9 @@
           <a:bodyPr/>
           <a:lstStyle/>
           <a:p>
-            <a:fld id="{2D07AE68-BEF1-9445-91CB-4EFC3A373CA7}" type="datetime1">
-              <a:rPr lang="en-US" smtClean="0"/>
-              <a:t>11/15/15</a:t>
+            <a:fld id="{665EF8BA-036E-E54C-9C52-7DE8B7EDB881}" type="datetime1">
+              <a:rPr lang="en-US" smtClean="0"/>
+              <a:t>7/19/16</a:t>
             </a:fld>
             <a:endParaRPr lang="en-US" dirty="0"/>
           </a:p>
@@ -5182,7 +4899,7 @@
           <a:p>
             <a:r>
               <a:rPr lang="sk-SK" smtClean="0"/>
-              <a:t>© 2015 EV3Lessons.com, Last edit 11/15/2015</a:t>
+              <a:t>© 2016 EV3Lessons.com, Last edit 7/19/2016</a:t>
             </a:r>
             <a:endParaRPr lang="en-US" dirty="0"/>
           </a:p>
@@ -5278,7 +4995,6 @@
   <p:clrMapOvr>
     <a:masterClrMapping/>
   </p:clrMapOvr>
-  <p:hf hdr="0" dt="0"/>
 </p:sldLayout>
 </file>
 
@@ -5402,9 +5118,9 @@
             </a:lvl1pPr>
           </a:lstStyle>
           <a:p>
-            <a:fld id="{2D07AE68-BEF1-9445-91CB-4EFC3A373CA7}" type="datetime1">
-              <a:rPr lang="en-US" smtClean="0"/>
-              <a:t>11/15/15</a:t>
+            <a:fld id="{E48E9834-52A1-8F4F-9134-E83F06191501}" type="datetime1">
+              <a:rPr lang="en-US" smtClean="0"/>
+              <a:t>7/19/16</a:t>
             </a:fld>
             <a:endParaRPr lang="en-US" dirty="0"/>
           </a:p>
@@ -5445,7 +5161,7 @@
           <a:p>
             <a:r>
               <a:rPr lang="sk-SK" smtClean="0"/>
-              <a:t>© 2015 EV3Lessons.com, Last edit 11/15/2015</a:t>
+              <a:t>© 2016 EV3Lessons.com, Last edit 7/19/2016</a:t>
             </a:r>
             <a:endParaRPr lang="en-US" dirty="0"/>
           </a:p>
@@ -5916,12 +5632,12 @@
       </p:grpSpPr>
       <p:sp>
         <p:nvSpPr>
-          <p:cNvPr id="5" name="Slide Number Placeholder 4"/>
-          <p:cNvSpPr>
-            <a:spLocks noGrp="1"/>
-          </p:cNvSpPr>
-          <p:nvPr>
-            <p:ph type="sldNum" sz="quarter" idx="12"/>
+          <p:cNvPr id="2" name="Title 1"/>
+          <p:cNvSpPr>
+            <a:spLocks noGrp="1"/>
+          </p:cNvSpPr>
+          <p:nvPr>
+            <p:ph type="ctrTitle"/>
           </p:nvPr>
         </p:nvSpPr>
         <p:spPr/>
@@ -5929,23 +5645,22 @@
           <a:bodyPr/>
           <a:lstStyle/>
           <a:p>
-            <a:fld id="{7F5CE407-6216-4202-80E4-A30DC2F709B2}" type="slidenum">
-              <a:rPr lang="en-US" smtClean="0"/>
-              <a:pPr/>
-              <a:t>1</a:t>
-            </a:fld>
-            <a:endParaRPr lang="en-US"/>
-          </a:p>
-        </p:txBody>
-      </p:sp>
-      <p:sp>
-        <p:nvSpPr>
-          <p:cNvPr id="2" name="Title 1"/>
-          <p:cNvSpPr>
-            <a:spLocks noGrp="1"/>
-          </p:cNvSpPr>
-          <p:nvPr>
-            <p:ph type="ctrTitle"/>
+            <a:r>
+              <a:rPr lang="en-US" smtClean="0"/>
+              <a:t>Data Logging (Part 2)</a:t>
+            </a:r>
+            <a:endParaRPr lang="en-US" dirty="0"/>
+          </a:p>
+        </p:txBody>
+      </p:sp>
+      <p:sp>
+        <p:nvSpPr>
+          <p:cNvPr id="9" name="Subtitle 8"/>
+          <p:cNvSpPr>
+            <a:spLocks noGrp="1"/>
+          </p:cNvSpPr>
+          <p:nvPr>
+            <p:ph type="subTitle" idx="1"/>
           </p:nvPr>
         </p:nvSpPr>
         <p:spPr/>
@@ -5954,32 +5669,46 @@
           <a:lstStyle/>
           <a:p>
             <a:r>
-              <a:rPr lang="en-US" smtClean="0"/>
-              <a:t>Data Logging (Part 2)</a:t>
+              <a:rPr lang="en-US" dirty="0" smtClean="0"/>
+              <a:t>By Sanjay and Arvind </a:t>
+            </a:r>
+            <a:r>
+              <a:rPr lang="en-US" dirty="0" err="1" smtClean="0"/>
+              <a:t>Seshan</a:t>
             </a:r>
             <a:endParaRPr lang="en-US" dirty="0"/>
           </a:p>
         </p:txBody>
       </p:sp>
-      <p:sp>
-        <p:nvSpPr>
-          <p:cNvPr id="9" name="Subtitle 8"/>
-          <p:cNvSpPr>
-            <a:spLocks noGrp="1"/>
-          </p:cNvSpPr>
-          <p:nvPr>
-            <p:ph type="subTitle" idx="1"/>
-          </p:nvPr>
-        </p:nvSpPr>
-        <p:spPr/>
-        <p:txBody>
-          <a:bodyPr/>
-          <a:lstStyle/>
-          <a:p>
-            <a:endParaRPr lang="en-US"/>
-          </a:p>
-        </p:txBody>
-      </p:sp>
+      <p:pic>
+        <p:nvPicPr>
+          <p:cNvPr id="6" name="Picture 5"/>
+          <p:cNvPicPr>
+            <a:picLocks noChangeAspect="1"/>
+          </p:cNvPicPr>
+          <p:nvPr/>
+        </p:nvPicPr>
+        <p:blipFill rotWithShape="1">
+          <a:blip r:embed="rId3">
+            <a:extLst>
+              <a:ext uri="{28A0092B-C50C-407E-A947-70E740481C1C}">
+                <a14:useLocalDpi xmlns:a14="http://schemas.microsoft.com/office/drawing/2010/main" val="0"/>
+              </a:ext>
+            </a:extLst>
+          </a:blip>
+          <a:srcRect l="4523" t="17619" r="3095" b="25000"/>
+          <a:stretch/>
+        </p:blipFill>
+        <p:spPr>
+          <a:xfrm>
+            <a:off x="3459013" y="4560129"/>
+            <a:ext cx="2225974" cy="1382629"/>
+          </a:xfrm>
+          <a:prstGeom prst="rect">
+            <a:avLst/>
+          </a:prstGeom>
+        </p:spPr>
+      </p:pic>
     </p:spTree>
     <p:extLst>
       <p:ext uri="{BB962C8B-B14F-4D97-AF65-F5344CB8AC3E}">
@@ -6066,7 +5795,7 @@
           <a:p>
             <a:r>
               <a:rPr lang="sk-SK" smtClean="0"/>
-              <a:t>© 2015 EV3Lessons.com, Last edit 11/15/2015</a:t>
+              <a:t>© 2016 EV3Lessons.com, Last edit 7/19/2016</a:t>
             </a:r>
             <a:endParaRPr lang="en-US"/>
           </a:p>
@@ -6525,15 +6254,36 @@
           <a:p>
             <a:pPr lvl="1"/>
             <a:r>
-              <a:rPr lang="en-US" smtClean="0"/>
-              <a:t>This tutorial was written by Sanjay Seshan and Arvind Seshan from Droids Robotics </a:t>
-            </a:r>
+              <a:rPr lang="en-US" dirty="0" smtClean="0"/>
+              <a:t>This tutorial was written by Sanjay </a:t>
+            </a:r>
+            <a:r>
+              <a:rPr lang="en-US" dirty="0" err="1" smtClean="0"/>
+              <a:t>Seshan</a:t>
+            </a:r>
+            <a:r>
+              <a:rPr lang="en-US" dirty="0" smtClean="0"/>
+              <a:t> and Arvind </a:t>
+            </a:r>
+            <a:r>
+              <a:rPr lang="en-US" dirty="0" err="1" smtClean="0"/>
+              <a:t>Seshan</a:t>
+            </a:r>
+            <a:r>
+              <a:rPr lang="en-US" smtClean="0"/>
+              <a:t> </a:t>
+            </a:r>
+            <a:endParaRPr lang="en-US" smtClean="0"/>
           </a:p>
           <a:p>
             <a:pPr lvl="1"/>
             <a:r>
               <a:rPr lang="en-US" smtClean="0"/>
-              <a:t>More lessons at www.ev3lessons.com</a:t>
+              <a:t>More </a:t>
+            </a:r>
+            <a:r>
+              <a:rPr lang="en-US" dirty="0" smtClean="0"/>
+              <a:t>lessons at www.ev3lessons.com</a:t>
             </a:r>
             <a:endParaRPr lang="en-US" dirty="0"/>
           </a:p>
@@ -6556,7 +6306,7 @@
           <a:p>
             <a:r>
               <a:rPr lang="sk-SK" smtClean="0"/>
-              <a:t>© 2015 EV3Lessons.com, Last edit 11/15/2015</a:t>
+              <a:t>© 2016 EV3Lessons.com, Last edit 7/19/2016</a:t>
             </a:r>
             <a:endParaRPr lang="en-US"/>
           </a:p>
@@ -6634,7 +6384,7 @@
           <a:effectLst/>
           <a:extLst>
             <a:ext uri="{91240B29-F687-4f45-9708-019B960494DF}">
-              <a14:hiddenLine xmlns="" xmlns:a14="http://schemas.microsoft.com/office/drawing/2010/main" w="9525">
+              <a14:hiddenLine xmlns:a14="http://schemas.microsoft.com/office/drawing/2010/main" xmlns="" w="9525">
                 <a:solidFill>
                   <a:schemeClr val="tx1"/>
                 </a:solidFill>
@@ -6644,7 +6394,7 @@
               </a14:hiddenLine>
             </a:ext>
             <a:ext uri="{AF507438-7753-43e0-B8FC-AC1667EBCBE1}">
-              <a14:hiddenEffects xmlns="" xmlns:a14="http://schemas.microsoft.com/office/drawing/2010/main">
+              <a14:hiddenEffects xmlns:a14="http://schemas.microsoft.com/office/drawing/2010/main" xmlns="">
                 <a:effectLst>
                   <a:outerShdw dist="35921" dir="2700000" algn="ctr" rotWithShape="0">
                     <a:schemeClr val="bg2"/>
@@ -6997,7 +6747,7 @@
           <a:noFill/>
           <a:extLst>
             <a:ext uri="{909E8E84-426E-40dd-AFC4-6F175D3DCCD1}">
-              <a14:hiddenFill xmlns="" xmlns:a14="http://schemas.microsoft.com/office/drawing/2010/main">
+              <a14:hiddenFill xmlns:a14="http://schemas.microsoft.com/office/drawing/2010/main" xmlns="">
                 <a:solidFill>
                   <a:srgbClr val="FFFFFF"/>
                 </a:solidFill>
@@ -7109,7 +6859,7 @@
           <a:p>
             <a:r>
               <a:rPr lang="sk-SK" smtClean="0"/>
-              <a:t>© 2015 EV3Lessons.com, Last edit 11/15/2015</a:t>
+              <a:t>© 2016 EV3Lessons.com, Last edit 7/19/2016</a:t>
             </a:r>
             <a:endParaRPr lang="en-US"/>
           </a:p>
@@ -7280,7 +7030,7 @@
           <a:p>
             <a:r>
               <a:rPr lang="sk-SK" smtClean="0"/>
-              <a:t>© 2015 EV3Lessons.com, Last edit 11/15/2015</a:t>
+              <a:t>© 2016 EV3Lessons.com, Last edit 7/19/2016</a:t>
             </a:r>
             <a:endParaRPr lang="en-US" dirty="0"/>
           </a:p>
@@ -7477,7 +7227,7 @@
           <a:p>
             <a:r>
               <a:rPr lang="sk-SK" smtClean="0"/>
-              <a:t>© 2015 EV3Lessons.com, Last edit 11/15/2015</a:t>
+              <a:t>© 2016 EV3Lessons.com, Last edit 7/19/2016</a:t>
             </a:r>
             <a:endParaRPr lang="en-US"/>
           </a:p>
@@ -7748,7 +7498,7 @@
           <a:p>
             <a:r>
               <a:rPr lang="sk-SK" smtClean="0"/>
-              <a:t>© 2015 EV3Lessons.com, Last edit 11/15/2015</a:t>
+              <a:t>© 2016 EV3Lessons.com, Last edit 7/19/2016</a:t>
             </a:r>
             <a:endParaRPr lang="en-US"/>
           </a:p>
@@ -8315,7 +8065,7 @@
           <a:p>
             <a:r>
               <a:rPr lang="sk-SK" smtClean="0"/>
-              <a:t>© 2015 EV3Lessons.com, Last edit 11/15/2015</a:t>
+              <a:t>© 2016 EV3Lessons.com, Last edit 7/19/2016</a:t>
             </a:r>
             <a:endParaRPr lang="en-US"/>
           </a:p>
@@ -8606,7 +8356,7 @@
           <a:p>
             <a:r>
               <a:rPr lang="sk-SK" smtClean="0"/>
-              <a:t>© 2015 EV3Lessons.com, Last edit 11/15/2015</a:t>
+              <a:t>© 2016 EV3Lessons.com, Last edit 7/19/2016</a:t>
             </a:r>
             <a:endParaRPr lang="en-US"/>
           </a:p>
@@ -9217,7 +8967,7 @@
           <a:p>
             <a:r>
               <a:rPr lang="sk-SK" smtClean="0"/>
-              <a:t>© 2015 EV3Lessons.com, Last edit 11/15/2015</a:t>
+              <a:t>© 2016 EV3Lessons.com, Last edit 7/19/2016</a:t>
             </a:r>
             <a:endParaRPr lang="en-US"/>
           </a:p>
@@ -9528,7 +9278,7 @@
           <a:p>
             <a:r>
               <a:rPr lang="sk-SK" smtClean="0"/>
-              <a:t>© 2015 EV3Lessons.com, Last edit 11/15/2015</a:t>
+              <a:t>© 2016 EV3Lessons.com, Last edit 7/19/2016</a:t>
             </a:r>
             <a:endParaRPr lang="en-US"/>
           </a:p>
